--- a/Week_3/Workout1.pptx
+++ b/Week_3/Workout1.pptx
@@ -1899,7 +1899,7 @@
           <a:graphicData uri="http://schemas.openxmlformats.org/presentationml/2006/ole">
             <mc:AlternateContent xmlns:mc="http://schemas.openxmlformats.org/markup-compatibility/2006">
               <mc:Choice xmlns:v="urn:schemas-microsoft-com:vml" Requires="v">
-                <p:oleObj spid="_x0000_s713743" name="Photo Editor Photo" r:id="rId3" imgW="9142857" imgH="743054" progId="">
+                <p:oleObj spid="_x0000_s713746" name="Photo Editor Photo" r:id="rId3" imgW="9142857" imgH="743054" progId="">
                   <p:embed/>
                 </p:oleObj>
               </mc:Choice>
@@ -3528,7 +3528,7 @@
           <a:graphicData uri="http://schemas.openxmlformats.org/presentationml/2006/ole">
             <mc:AlternateContent xmlns:mc="http://schemas.openxmlformats.org/markup-compatibility/2006">
               <mc:Choice xmlns:v="urn:schemas-microsoft-com:vml" Requires="v">
-                <p:oleObj spid="_x0000_s715791" name="Photo Editor Photo" r:id="rId3" imgW="9142857" imgH="743054" progId="">
+                <p:oleObj spid="_x0000_s715794" name="Photo Editor Photo" r:id="rId3" imgW="9142857" imgH="743054" progId="">
                   <p:embed/>
                 </p:oleObj>
               </mc:Choice>
@@ -8645,7 +8645,7 @@
           <a:graphicData uri="http://schemas.openxmlformats.org/presentationml/2006/ole">
             <mc:AlternateContent xmlns:mc="http://schemas.openxmlformats.org/markup-compatibility/2006">
               <mc:Choice xmlns:v="urn:schemas-microsoft-com:vml" Requires="v">
-                <p:oleObj spid="_x0000_s1039" name="Photo Editor Photo" r:id="rId17" imgW="9142857" imgH="743054" progId="">
+                <p:oleObj spid="_x0000_s1042" name="Photo Editor Photo" r:id="rId17" imgW="9142857" imgH="743054" progId="">
                   <p:embed/>
                 </p:oleObj>
               </mc:Choice>
@@ -13076,7 +13076,7 @@
           <a:graphicData uri="http://schemas.openxmlformats.org/presentationml/2006/ole">
             <mc:AlternateContent xmlns:mc="http://schemas.openxmlformats.org/markup-compatibility/2006">
               <mc:Choice xmlns:v="urn:schemas-microsoft-com:vml" Requires="v">
-                <p:oleObj spid="_x0000_s714819" name="Photo Editor Photo" r:id="rId4" imgW="1467055" imgH="390580" progId="">
+                <p:oleObj spid="_x0000_s714834" name="Photo Editor Photo" r:id="rId4" imgW="1467055" imgH="390580" progId="">
                   <p:embed/>
                 </p:oleObj>
               </mc:Choice>
@@ -13327,7 +13327,7 @@
           <a:graphicData uri="http://schemas.openxmlformats.org/presentationml/2006/ole">
             <mc:AlternateContent xmlns:mc="http://schemas.openxmlformats.org/markup-compatibility/2006">
               <mc:Choice xmlns:v="urn:schemas-microsoft-com:vml" Requires="v">
-                <p:oleObj spid="_x0000_s714820" name="Photo Editor Photo" r:id="rId6" imgW="9142857" imgH="3610479" progId="">
+                <p:oleObj spid="_x0000_s714835" name="Photo Editor Photo" r:id="rId6" imgW="9142857" imgH="3610479" progId="">
                   <p:embed/>
                 </p:oleObj>
               </mc:Choice>
@@ -13420,7 +13420,7 @@
           <a:graphicData uri="http://schemas.openxmlformats.org/presentationml/2006/ole">
             <mc:AlternateContent xmlns:mc="http://schemas.openxmlformats.org/markup-compatibility/2006">
               <mc:Choice xmlns:v="urn:schemas-microsoft-com:vml" Requires="v">
-                <p:oleObj spid="_x0000_s714821" name="Photo Editor Photo" r:id="rId8" imgW="1142857" imgH="914286" progId="">
+                <p:oleObj spid="_x0000_s714836" name="Photo Editor Photo" r:id="rId8" imgW="1142857" imgH="914286" progId="">
                   <p:embed/>
                 </p:oleObj>
               </mc:Choice>
@@ -13513,7 +13513,7 @@
           <a:graphicData uri="http://schemas.openxmlformats.org/presentationml/2006/ole">
             <mc:AlternateContent xmlns:mc="http://schemas.openxmlformats.org/markup-compatibility/2006">
               <mc:Choice xmlns:v="urn:schemas-microsoft-com:vml" Requires="v">
-                <p:oleObj spid="_x0000_s714822" name="Photo Editor Photo" r:id="rId10" imgW="1142857" imgH="914286" progId="">
+                <p:oleObj spid="_x0000_s714837" name="Photo Editor Photo" r:id="rId10" imgW="1142857" imgH="914286" progId="">
                   <p:embed/>
                 </p:oleObj>
               </mc:Choice>
@@ -13606,7 +13606,7 @@
           <a:graphicData uri="http://schemas.openxmlformats.org/presentationml/2006/ole">
             <mc:AlternateContent xmlns:mc="http://schemas.openxmlformats.org/markup-compatibility/2006">
               <mc:Choice xmlns:v="urn:schemas-microsoft-com:vml" Requires="v">
-                <p:oleObj spid="_x0000_s714823" name="Photo Editor Photo" r:id="rId12" imgW="1142857" imgH="914286" progId="">
+                <p:oleObj spid="_x0000_s714838" name="Photo Editor Photo" r:id="rId12" imgW="1142857" imgH="914286" progId="">
                   <p:embed/>
                 </p:oleObj>
               </mc:Choice>
@@ -14254,11 +14254,7 @@
           <a:p>
             <a:r>
               <a:rPr lang="en-US" sz="2000" u="sng" dirty="0" smtClean="0"/>
-              <a:t>What is it</a:t>
-            </a:r>
-            <a:r>
-              <a:rPr lang="en-US" sz="2000" u="sng" dirty="0" smtClean="0"/>
-              <a:t>?</a:t>
+              <a:t>What is it?</a:t>
             </a:r>
           </a:p>
           <a:p>
@@ -14323,7 +14319,6 @@
               <a:rPr lang="en-US" sz="1400" u="sng" dirty="0" smtClean="0"/>
               <a:t> will watch the files you configured and It will inject the changes to all the browsers connected in case any files change.</a:t>
             </a:r>
-            <a:endParaRPr lang="en-US" sz="1400" u="sng" dirty="0" smtClean="0"/>
           </a:p>
           <a:p>
             <a:endParaRPr lang="en-US" dirty="0"/>
@@ -14497,11 +14492,7 @@
           <a:p>
             <a:r>
               <a:rPr lang="en-US" sz="2000" u="sng" dirty="0" smtClean="0"/>
-              <a:t>What is it</a:t>
-            </a:r>
-            <a:r>
-              <a:rPr lang="en-US" sz="2000" u="sng" dirty="0" smtClean="0"/>
-              <a:t>?</a:t>
+              <a:t>What is it?</a:t>
             </a:r>
           </a:p>
           <a:p>
@@ -14574,7 +14565,6 @@
               <a:rPr lang="en-US" sz="1400" dirty="0"/>
               <a:t>.</a:t>
             </a:r>
-            <a:endParaRPr lang="en-US" sz="1400" dirty="0"/>
           </a:p>
           <a:p>
             <a:endParaRPr lang="en-US" dirty="0"/>
@@ -14614,49 +14604,184 @@
           </a:p>
         </p:txBody>
       </p:sp>
-      <p:pic>
-        <p:nvPicPr>
-          <p:cNvPr id="716802" name="Picture 2" descr="https://cdn.scotch.io/16/yMJJtYhhSOWaektxuV3a_Capture.PNG"/>
-          <p:cNvPicPr>
-            <a:picLocks noGrp="1" noChangeAspect="1" noChangeArrowheads="1"/>
-          </p:cNvPicPr>
+      <p:graphicFrame>
+        <p:nvGraphicFramePr>
+          <p:cNvPr id="6" name="Content Placeholder 5"/>
+          <p:cNvGraphicFramePr>
+            <a:graphicFrameLocks noGrp="1"/>
+          </p:cNvGraphicFramePr>
           <p:nvPr>
             <p:ph sz="half" idx="2"/>
+            <p:extLst>
+              <p:ext uri="{D42A27DB-BD31-4B8C-83A1-F6EECF244321}">
+                <p14:modId xmlns:p14="http://schemas.microsoft.com/office/powerpoint/2010/main" val="46192828"/>
+              </p:ext>
+            </p:extLst>
           </p:nvPr>
-        </p:nvPicPr>
-        <p:blipFill>
-          <a:blip r:embed="rId2">
-            <a:extLst>
-              <a:ext uri="{28A0092B-C50C-407E-A947-70E740481C1C}">
-                <a14:useLocalDpi xmlns:a14="http://schemas.microsoft.com/office/drawing/2010/main" val="0"/>
-              </a:ext>
-            </a:extLst>
-          </a:blip>
-          <a:srcRect/>
-          <a:stretch>
-            <a:fillRect/>
-          </a:stretch>
-        </p:blipFill>
-        <p:spPr bwMode="auto">
-          <a:xfrm>
-            <a:off x="4656138" y="2883144"/>
-            <a:ext cx="4030662" cy="1455250"/>
-          </a:xfrm>
-          <a:prstGeom prst="rect">
-            <a:avLst/>
-          </a:prstGeom>
-          <a:noFill/>
-          <a:extLst>
-            <a:ext uri="{909E8E84-426E-40DD-AFC4-6F175D3DCCD1}">
-              <a14:hiddenFill xmlns:a14="http://schemas.microsoft.com/office/drawing/2010/main">
-                <a:solidFill>
-                  <a:srgbClr val="FFFFFF"/>
-                </a:solidFill>
-              </a14:hiddenFill>
-            </a:ext>
-          </a:extLst>
-        </p:spPr>
-      </p:pic>
+        </p:nvGraphicFramePr>
+        <p:xfrm>
+          <a:off x="5077659" y="2489919"/>
+          <a:ext cx="3236055" cy="1483360"/>
+        </p:xfrm>
+        <a:graphic>
+          <a:graphicData uri="http://schemas.openxmlformats.org/drawingml/2006/table">
+            <a:tbl>
+              <a:tblPr firstRow="1" bandRow="1">
+                <a:tableStyleId>{7E9639D4-E3E2-4D34-9284-5A2195B3D0D7}</a:tableStyleId>
+              </a:tblPr>
+              <a:tblGrid>
+                <a:gridCol w="3236055">
+                  <a:extLst>
+                    <a:ext uri="{9D8B030D-6E8A-4147-A177-3AD203B41FA5}">
+                      <a16:colId xmlns:a16="http://schemas.microsoft.com/office/drawing/2014/main" val="340717841"/>
+                    </a:ext>
+                  </a:extLst>
+                </a:gridCol>
+              </a:tblGrid>
+              <a:tr h="370840">
+                <a:tc>
+                  <a:txBody>
+                    <a:bodyPr/>
+                    <a:lstStyle/>
+                    <a:p>
+                      <a:pPr algn="ctr"/>
+                      <a:r>
+                        <a:rPr lang="en-US" b="0" dirty="0" smtClean="0">
+                          <a:solidFill>
+                            <a:schemeClr val="tx1"/>
+                          </a:solidFill>
+                        </a:rPr>
+                        <a:t>CONTAINERS (</a:t>
+                      </a:r>
+                      <a:r>
+                        <a:rPr lang="en-US" b="0" i="1" dirty="0" smtClean="0">
+                          <a:solidFill>
+                            <a:schemeClr val="tx1"/>
+                          </a:solidFill>
+                        </a:rPr>
+                        <a:t>Controller</a:t>
+                      </a:r>
+                      <a:r>
+                        <a:rPr lang="en-US" b="0" dirty="0" smtClean="0">
+                          <a:solidFill>
+                            <a:schemeClr val="tx1"/>
+                          </a:solidFill>
+                        </a:rPr>
+                        <a:t>)</a:t>
+                      </a:r>
+                      <a:endParaRPr lang="en-US" b="0" dirty="0">
+                        <a:solidFill>
+                          <a:schemeClr val="tx1"/>
+                        </a:solidFill>
+                      </a:endParaRPr>
+                    </a:p>
+                  </a:txBody>
+                  <a:tcPr>
+                    <a:solidFill>
+                      <a:schemeClr val="bg1"/>
+                    </a:solidFill>
+                  </a:tcPr>
+                </a:tc>
+                <a:extLst>
+                  <a:ext uri="{0D108BD9-81ED-4DB2-BD59-A6C34878D82A}">
+                    <a16:rowId xmlns:a16="http://schemas.microsoft.com/office/drawing/2014/main" val="3929952576"/>
+                  </a:ext>
+                </a:extLst>
+              </a:tr>
+              <a:tr h="370840">
+                <a:tc>
+                  <a:txBody>
+                    <a:bodyPr/>
+                    <a:lstStyle/>
+                    <a:p>
+                      <a:pPr algn="ctr"/>
+                      <a:r>
+                        <a:rPr lang="en-US" dirty="0" smtClean="0"/>
+                        <a:t>COMPONENTS (</a:t>
+                      </a:r>
+                      <a:r>
+                        <a:rPr lang="en-US" i="1" dirty="0" smtClean="0"/>
+                        <a:t>View</a:t>
+                      </a:r>
+                      <a:r>
+                        <a:rPr lang="en-US" dirty="0" smtClean="0"/>
+                        <a:t>)</a:t>
+                      </a:r>
+                      <a:endParaRPr lang="en-US" dirty="0"/>
+                    </a:p>
+                  </a:txBody>
+                  <a:tcPr/>
+                </a:tc>
+                <a:extLst>
+                  <a:ext uri="{0D108BD9-81ED-4DB2-BD59-A6C34878D82A}">
+                    <a16:rowId xmlns:a16="http://schemas.microsoft.com/office/drawing/2014/main" val="33624919"/>
+                  </a:ext>
+                </a:extLst>
+              </a:tr>
+              <a:tr h="370840">
+                <a:tc>
+                  <a:txBody>
+                    <a:bodyPr/>
+                    <a:lstStyle/>
+                    <a:p>
+                      <a:pPr algn="ctr"/>
+                      <a:r>
+                        <a:rPr lang="en-US" dirty="0" smtClean="0"/>
+                        <a:t>ACTIONS (</a:t>
+                      </a:r>
+                      <a:r>
+                        <a:rPr lang="en-US" i="1" dirty="0" smtClean="0"/>
+                        <a:t>Functions</a:t>
+                      </a:r>
+                      <a:r>
+                        <a:rPr lang="en-US" dirty="0" smtClean="0"/>
+                        <a:t>)</a:t>
+                      </a:r>
+                      <a:endParaRPr lang="en-US" dirty="0"/>
+                    </a:p>
+                  </a:txBody>
+                  <a:tcPr/>
+                </a:tc>
+                <a:extLst>
+                  <a:ext uri="{0D108BD9-81ED-4DB2-BD59-A6C34878D82A}">
+                    <a16:rowId xmlns:a16="http://schemas.microsoft.com/office/drawing/2014/main" val="3037041385"/>
+                  </a:ext>
+                </a:extLst>
+              </a:tr>
+              <a:tr h="370840">
+                <a:tc>
+                  <a:txBody>
+                    <a:bodyPr/>
+                    <a:lstStyle/>
+                    <a:p>
+                      <a:pPr algn="ctr"/>
+                      <a:r>
+                        <a:rPr lang="en-US" dirty="0" smtClean="0"/>
+                        <a:t>REDUCERS (</a:t>
+                      </a:r>
+                      <a:r>
+                        <a:rPr lang="en-US" i="1" dirty="0" smtClean="0"/>
+                        <a:t>Routes</a:t>
+                      </a:r>
+                      <a:r>
+                        <a:rPr lang="en-US" dirty="0" smtClean="0"/>
+                        <a:t>)</a:t>
+                      </a:r>
+                      <a:endParaRPr lang="en-US" dirty="0"/>
+                    </a:p>
+                  </a:txBody>
+                  <a:tcPr/>
+                </a:tc>
+                <a:extLst>
+                  <a:ext uri="{0D108BD9-81ED-4DB2-BD59-A6C34878D82A}">
+                    <a16:rowId xmlns:a16="http://schemas.microsoft.com/office/drawing/2014/main" val="1881105123"/>
+                  </a:ext>
+                </a:extLst>
+              </a:tr>
+            </a:tbl>
+          </a:graphicData>
+        </a:graphic>
+      </p:graphicFrame>
     </p:spTree>
     <p:extLst>
       <p:ext uri="{BB962C8B-B14F-4D97-AF65-F5344CB8AC3E}">
@@ -15376,6 +15501,32 @@
               <a:buFont typeface="Arial" panose="020B0604020202020204" pitchFamily="34" charset="0"/>
               <a:buChar char="•"/>
             </a:pPr>
+            <a:r>
+              <a:rPr lang="en-US" sz="2000" u="sng" dirty="0">
+                <a:hlinkClick r:id="rId7"/>
+              </a:rPr>
+              <a:t>https://</a:t>
+            </a:r>
+            <a:r>
+              <a:rPr lang="en-US" sz="2000" u="sng" dirty="0" smtClean="0">
+                <a:hlinkClick r:id="rId7"/>
+              </a:rPr>
+              <a:t>github.com/reactjs/redux/blob/master/docs/basics/UsageWithReact.md</a:t>
+            </a:r>
+            <a:endParaRPr lang="en-US" sz="2000" u="sng" dirty="0" smtClean="0"/>
+          </a:p>
+          <a:p>
+            <a:pPr>
+              <a:buFont typeface="Arial" panose="020B0604020202020204" pitchFamily="34" charset="0"/>
+              <a:buChar char="•"/>
+            </a:pPr>
+            <a:endParaRPr lang="en-US" sz="2000" u="sng" dirty="0" smtClean="0"/>
+          </a:p>
+          <a:p>
+            <a:pPr>
+              <a:buFont typeface="Arial" panose="020B0604020202020204" pitchFamily="34" charset="0"/>
+              <a:buChar char="•"/>
+            </a:pPr>
             <a:endParaRPr lang="en-US" sz="2000" u="sng" dirty="0" smtClean="0"/>
           </a:p>
           <a:p>
@@ -15469,7 +15620,7 @@
           <a:graphicData uri="http://schemas.openxmlformats.org/presentationml/2006/ole">
             <mc:AlternateContent xmlns:mc="http://schemas.openxmlformats.org/markup-compatibility/2006">
               <mc:Choice xmlns:v="urn:schemas-microsoft-com:vml" Requires="v">
-                <p:oleObj spid="_x0000_s541768" r:id="rId4" imgW="9142857" imgH="3610479" progId="">
+                <p:oleObj spid="_x0000_s541783" r:id="rId4" imgW="9142857" imgH="3610479" progId="">
                   <p:embed/>
                 </p:oleObj>
               </mc:Choice>
@@ -15543,7 +15694,7 @@
           <a:graphicData uri="http://schemas.openxmlformats.org/presentationml/2006/ole">
             <mc:AlternateContent xmlns:mc="http://schemas.openxmlformats.org/markup-compatibility/2006">
               <mc:Choice xmlns:v="urn:schemas-microsoft-com:vml" Requires="v">
-                <p:oleObj spid="_x0000_s541769" r:id="rId6" imgW="1467055" imgH="390580" progId="">
+                <p:oleObj spid="_x0000_s541784" r:id="rId6" imgW="1467055" imgH="390580" progId="">
                   <p:embed/>
                 </p:oleObj>
               </mc:Choice>
@@ -15819,7 +15970,7 @@
           <a:graphicData uri="http://schemas.openxmlformats.org/presentationml/2006/ole">
             <mc:AlternateContent xmlns:mc="http://schemas.openxmlformats.org/markup-compatibility/2006">
               <mc:Choice xmlns:v="urn:schemas-microsoft-com:vml" Requires="v">
-                <p:oleObj spid="_x0000_s541770" r:id="rId8" imgW="866896" imgH="704948" progId="">
+                <p:oleObj spid="_x0000_s541785" r:id="rId8" imgW="866896" imgH="704948" progId="">
                   <p:embed/>
                 </p:oleObj>
               </mc:Choice>
@@ -15893,7 +16044,7 @@
           <a:graphicData uri="http://schemas.openxmlformats.org/presentationml/2006/ole">
             <mc:AlternateContent xmlns:mc="http://schemas.openxmlformats.org/markup-compatibility/2006">
               <mc:Choice xmlns:v="urn:schemas-microsoft-com:vml" Requires="v">
-                <p:oleObj spid="_x0000_s541771" r:id="rId10" imgW="866896" imgH="704948" progId="">
+                <p:oleObj spid="_x0000_s541786" r:id="rId10" imgW="866896" imgH="704948" progId="">
                   <p:embed/>
                 </p:oleObj>
               </mc:Choice>
@@ -15967,7 +16118,7 @@
           <a:graphicData uri="http://schemas.openxmlformats.org/presentationml/2006/ole">
             <mc:AlternateContent xmlns:mc="http://schemas.openxmlformats.org/markup-compatibility/2006">
               <mc:Choice xmlns:v="urn:schemas-microsoft-com:vml" Requires="v">
-                <p:oleObj spid="_x0000_s541772" r:id="rId12" imgW="866896" imgH="704948" progId="">
+                <p:oleObj spid="_x0000_s541787" r:id="rId12" imgW="866896" imgH="704948" progId="">
                   <p:embed/>
                 </p:oleObj>
               </mc:Choice>

--- a/Week_3/Workout1.pptx
+++ b/Week_3/Workout1.pptx
@@ -1899,7 +1899,7 @@
           <a:graphicData uri="http://schemas.openxmlformats.org/presentationml/2006/ole">
             <mc:AlternateContent xmlns:mc="http://schemas.openxmlformats.org/markup-compatibility/2006">
               <mc:Choice xmlns:v="urn:schemas-microsoft-com:vml" Requires="v">
-                <p:oleObj spid="_x0000_s713746" name="Photo Editor Photo" r:id="rId3" imgW="9142857" imgH="743054" progId="">
+                <p:oleObj spid="_x0000_s713747" name="Photo Editor Photo" r:id="rId3" imgW="9142857" imgH="743054" progId="">
                   <p:embed/>
                 </p:oleObj>
               </mc:Choice>
@@ -3528,7 +3528,7 @@
           <a:graphicData uri="http://schemas.openxmlformats.org/presentationml/2006/ole">
             <mc:AlternateContent xmlns:mc="http://schemas.openxmlformats.org/markup-compatibility/2006">
               <mc:Choice xmlns:v="urn:schemas-microsoft-com:vml" Requires="v">
-                <p:oleObj spid="_x0000_s715794" name="Photo Editor Photo" r:id="rId3" imgW="9142857" imgH="743054" progId="">
+                <p:oleObj spid="_x0000_s715795" name="Photo Editor Photo" r:id="rId3" imgW="9142857" imgH="743054" progId="">
                   <p:embed/>
                 </p:oleObj>
               </mc:Choice>
@@ -8645,7 +8645,7 @@
           <a:graphicData uri="http://schemas.openxmlformats.org/presentationml/2006/ole">
             <mc:AlternateContent xmlns:mc="http://schemas.openxmlformats.org/markup-compatibility/2006">
               <mc:Choice xmlns:v="urn:schemas-microsoft-com:vml" Requires="v">
-                <p:oleObj spid="_x0000_s1042" name="Photo Editor Photo" r:id="rId17" imgW="9142857" imgH="743054" progId="">
+                <p:oleObj spid="_x0000_s1043" name="Photo Editor Photo" r:id="rId17" imgW="9142857" imgH="743054" progId="">
                   <p:embed/>
                 </p:oleObj>
               </mc:Choice>
@@ -13076,7 +13076,7 @@
           <a:graphicData uri="http://schemas.openxmlformats.org/presentationml/2006/ole">
             <mc:AlternateContent xmlns:mc="http://schemas.openxmlformats.org/markup-compatibility/2006">
               <mc:Choice xmlns:v="urn:schemas-microsoft-com:vml" Requires="v">
-                <p:oleObj spid="_x0000_s714834" name="Photo Editor Photo" r:id="rId4" imgW="1467055" imgH="390580" progId="">
+                <p:oleObj spid="_x0000_s714839" name="Photo Editor Photo" r:id="rId4" imgW="1467055" imgH="390580" progId="">
                   <p:embed/>
                 </p:oleObj>
               </mc:Choice>
@@ -13327,7 +13327,7 @@
           <a:graphicData uri="http://schemas.openxmlformats.org/presentationml/2006/ole">
             <mc:AlternateContent xmlns:mc="http://schemas.openxmlformats.org/markup-compatibility/2006">
               <mc:Choice xmlns:v="urn:schemas-microsoft-com:vml" Requires="v">
-                <p:oleObj spid="_x0000_s714835" name="Photo Editor Photo" r:id="rId6" imgW="9142857" imgH="3610479" progId="">
+                <p:oleObj spid="_x0000_s714840" name="Photo Editor Photo" r:id="rId6" imgW="9142857" imgH="3610479" progId="">
                   <p:embed/>
                 </p:oleObj>
               </mc:Choice>
@@ -13420,7 +13420,7 @@
           <a:graphicData uri="http://schemas.openxmlformats.org/presentationml/2006/ole">
             <mc:AlternateContent xmlns:mc="http://schemas.openxmlformats.org/markup-compatibility/2006">
               <mc:Choice xmlns:v="urn:schemas-microsoft-com:vml" Requires="v">
-                <p:oleObj spid="_x0000_s714836" name="Photo Editor Photo" r:id="rId8" imgW="1142857" imgH="914286" progId="">
+                <p:oleObj spid="_x0000_s714841" name="Photo Editor Photo" r:id="rId8" imgW="1142857" imgH="914286" progId="">
                   <p:embed/>
                 </p:oleObj>
               </mc:Choice>
@@ -13513,7 +13513,7 @@
           <a:graphicData uri="http://schemas.openxmlformats.org/presentationml/2006/ole">
             <mc:AlternateContent xmlns:mc="http://schemas.openxmlformats.org/markup-compatibility/2006">
               <mc:Choice xmlns:v="urn:schemas-microsoft-com:vml" Requires="v">
-                <p:oleObj spid="_x0000_s714837" name="Photo Editor Photo" r:id="rId10" imgW="1142857" imgH="914286" progId="">
+                <p:oleObj spid="_x0000_s714842" name="Photo Editor Photo" r:id="rId10" imgW="1142857" imgH="914286" progId="">
                   <p:embed/>
                 </p:oleObj>
               </mc:Choice>
@@ -13606,7 +13606,7 @@
           <a:graphicData uri="http://schemas.openxmlformats.org/presentationml/2006/ole">
             <mc:AlternateContent xmlns:mc="http://schemas.openxmlformats.org/markup-compatibility/2006">
               <mc:Choice xmlns:v="urn:schemas-microsoft-com:vml" Requires="v">
-                <p:oleObj spid="_x0000_s714838" name="Photo Editor Photo" r:id="rId12" imgW="1142857" imgH="914286" progId="">
+                <p:oleObj spid="_x0000_s714843" name="Photo Editor Photo" r:id="rId12" imgW="1142857" imgH="914286" progId="">
                   <p:embed/>
                 </p:oleObj>
               </mc:Choice>
@@ -14411,6 +14411,13 @@
   <p:clrMapOvr>
     <a:masterClrMapping/>
   </p:clrMapOvr>
+  <p:timing>
+    <p:tnLst>
+      <p:par>
+        <p:cTn id="1" dur="indefinite" restart="never" nodeType="tmRoot"/>
+      </p:par>
+    </p:tnLst>
+  </p:timing>
 </p:sld>
 </file>
 
@@ -14792,6 +14799,13 @@
   <p:clrMapOvr>
     <a:masterClrMapping/>
   </p:clrMapOvr>
+  <p:timing>
+    <p:tnLst>
+      <p:par>
+        <p:cTn id="1" dur="indefinite" restart="never" nodeType="tmRoot"/>
+      </p:par>
+    </p:tnLst>
+  </p:timing>
 </p:sld>
 </file>
 
@@ -14939,6 +14953,13 @@
   <p:clrMapOvr>
     <a:masterClrMapping/>
   </p:clrMapOvr>
+  <p:timing>
+    <p:tnLst>
+      <p:par>
+        <p:cTn id="1" dur="indefinite" restart="never" nodeType="tmRoot"/>
+      </p:par>
+    </p:tnLst>
+  </p:timing>
 </p:sld>
 </file>
 
@@ -15110,6 +15131,13 @@
   <p:clrMapOvr>
     <a:masterClrMapping/>
   </p:clrMapOvr>
+  <p:timing>
+    <p:tnLst>
+      <p:par>
+        <p:cTn id="1" dur="indefinite" restart="never" nodeType="tmRoot"/>
+      </p:par>
+    </p:tnLst>
+  </p:timing>
 </p:sld>
 </file>
 
@@ -15331,6 +15359,13 @@
   <p:clrMapOvr>
     <a:masterClrMapping/>
   </p:clrMapOvr>
+  <p:timing>
+    <p:tnLst>
+      <p:par>
+        <p:cTn id="1" dur="indefinite" restart="never" nodeType="tmRoot"/>
+      </p:par>
+    </p:tnLst>
+  </p:timing>
 </p:sld>
 </file>
 
@@ -15520,6 +15555,77 @@
               <a:buFont typeface="Arial" panose="020B0604020202020204" pitchFamily="34" charset="0"/>
               <a:buChar char="•"/>
             </a:pPr>
+            <a:r>
+              <a:rPr lang="en-US" sz="2000" u="sng" dirty="0">
+                <a:hlinkClick r:id="rId8"/>
+              </a:rPr>
+              <a:t>https://</a:t>
+            </a:r>
+            <a:r>
+              <a:rPr lang="en-US" sz="2000" u="sng" dirty="0" smtClean="0">
+                <a:hlinkClick r:id="rId8"/>
+              </a:rPr>
+              <a:t>github.com/damianfabian/react-course</a:t>
+            </a:r>
+            <a:r>
+              <a:rPr lang="en-US" sz="2000" u="sng" dirty="0" smtClean="0"/>
+              <a:t> </a:t>
+            </a:r>
+          </a:p>
+          <a:p>
+            <a:pPr>
+              <a:buFont typeface="Arial" panose="020B0604020202020204" pitchFamily="34" charset="0"/>
+              <a:buChar char="•"/>
+            </a:pPr>
+            <a:r>
+              <a:rPr lang="en-US" sz="2000" u="sng" dirty="0">
+                <a:hlinkClick r:id="rId9"/>
+              </a:rPr>
+              <a:t>https://</a:t>
+            </a:r>
+            <a:r>
+              <a:rPr lang="en-US" sz="2000" u="sng" dirty="0" smtClean="0">
+                <a:hlinkClick r:id="rId9"/>
+              </a:rPr>
+              <a:t>github.com/facebookincubator/create-react-app</a:t>
+            </a:r>
+            <a:endParaRPr lang="en-US" sz="2000" u="sng" dirty="0" smtClean="0"/>
+          </a:p>
+          <a:p>
+            <a:pPr>
+              <a:buFont typeface="Arial" panose="020B0604020202020204" pitchFamily="34" charset="0"/>
+              <a:buChar char="•"/>
+            </a:pPr>
+            <a:r>
+              <a:rPr lang="en-US" sz="2000" u="sng" dirty="0">
+                <a:hlinkClick r:id="rId10"/>
+              </a:rPr>
+              <a:t>https://</a:t>
+            </a:r>
+            <a:r>
+              <a:rPr lang="en-US" sz="2000" u="sng" dirty="0" smtClean="0">
+                <a:hlinkClick r:id="rId10"/>
+              </a:rPr>
+              <a:t>github.com/DimitriMikadze/express-react-redux-starter</a:t>
+            </a:r>
+            <a:endParaRPr lang="en-US" sz="2000" u="sng" dirty="0" smtClean="0"/>
+          </a:p>
+          <a:p>
+            <a:pPr>
+              <a:buFont typeface="Arial" panose="020B0604020202020204" pitchFamily="34" charset="0"/>
+              <a:buChar char="•"/>
+            </a:pPr>
+            <a:r>
+              <a:rPr lang="en-US" sz="2000" u="sng" dirty="0"/>
+              <a:t>https://github.com/mxstbr/react-boilerplate</a:t>
+            </a:r>
+            <a:endParaRPr lang="en-US" sz="2000" u="sng" dirty="0" smtClean="0"/>
+          </a:p>
+          <a:p>
+            <a:pPr>
+              <a:buFont typeface="Arial" panose="020B0604020202020204" pitchFamily="34" charset="0"/>
+              <a:buChar char="•"/>
+            </a:pPr>
             <a:endParaRPr lang="en-US" sz="2000" u="sng" dirty="0" smtClean="0"/>
           </a:p>
           <a:p>
@@ -15584,6 +15690,13 @@
   <p:clrMapOvr>
     <a:masterClrMapping/>
   </p:clrMapOvr>
+  <p:timing>
+    <p:tnLst>
+      <p:par>
+        <p:cTn id="1" dur="indefinite" restart="never" nodeType="tmRoot"/>
+      </p:par>
+    </p:tnLst>
+  </p:timing>
 </p:sld>
 </file>
 
@@ -15620,7 +15733,7 @@
           <a:graphicData uri="http://schemas.openxmlformats.org/presentationml/2006/ole">
             <mc:AlternateContent xmlns:mc="http://schemas.openxmlformats.org/markup-compatibility/2006">
               <mc:Choice xmlns:v="urn:schemas-microsoft-com:vml" Requires="v">
-                <p:oleObj spid="_x0000_s541783" r:id="rId4" imgW="9142857" imgH="3610479" progId="">
+                <p:oleObj spid="_x0000_s541788" r:id="rId4" imgW="9142857" imgH="3610479" progId="">
                   <p:embed/>
                 </p:oleObj>
               </mc:Choice>
@@ -15694,7 +15807,7 @@
           <a:graphicData uri="http://schemas.openxmlformats.org/presentationml/2006/ole">
             <mc:AlternateContent xmlns:mc="http://schemas.openxmlformats.org/markup-compatibility/2006">
               <mc:Choice xmlns:v="urn:schemas-microsoft-com:vml" Requires="v">
-                <p:oleObj spid="_x0000_s541784" r:id="rId6" imgW="1467055" imgH="390580" progId="">
+                <p:oleObj spid="_x0000_s541789" r:id="rId6" imgW="1467055" imgH="390580" progId="">
                   <p:embed/>
                 </p:oleObj>
               </mc:Choice>
@@ -15970,7 +16083,7 @@
           <a:graphicData uri="http://schemas.openxmlformats.org/presentationml/2006/ole">
             <mc:AlternateContent xmlns:mc="http://schemas.openxmlformats.org/markup-compatibility/2006">
               <mc:Choice xmlns:v="urn:schemas-microsoft-com:vml" Requires="v">
-                <p:oleObj spid="_x0000_s541785" r:id="rId8" imgW="866896" imgH="704948" progId="">
+                <p:oleObj spid="_x0000_s541790" r:id="rId8" imgW="866896" imgH="704948" progId="">
                   <p:embed/>
                 </p:oleObj>
               </mc:Choice>
@@ -16044,7 +16157,7 @@
           <a:graphicData uri="http://schemas.openxmlformats.org/presentationml/2006/ole">
             <mc:AlternateContent xmlns:mc="http://schemas.openxmlformats.org/markup-compatibility/2006">
               <mc:Choice xmlns:v="urn:schemas-microsoft-com:vml" Requires="v">
-                <p:oleObj spid="_x0000_s541786" r:id="rId10" imgW="866896" imgH="704948" progId="">
+                <p:oleObj spid="_x0000_s541791" r:id="rId10" imgW="866896" imgH="704948" progId="">
                   <p:embed/>
                 </p:oleObj>
               </mc:Choice>
@@ -16118,7 +16231,7 @@
           <a:graphicData uri="http://schemas.openxmlformats.org/presentationml/2006/ole">
             <mc:AlternateContent xmlns:mc="http://schemas.openxmlformats.org/markup-compatibility/2006">
               <mc:Choice xmlns:v="urn:schemas-microsoft-com:vml" Requires="v">
-                <p:oleObj spid="_x0000_s541787" r:id="rId12" imgW="866896" imgH="704948" progId="">
+                <p:oleObj spid="_x0000_s541792" r:id="rId12" imgW="866896" imgH="704948" progId="">
                   <p:embed/>
                 </p:oleObj>
               </mc:Choice>
